--- a/课程PPT/29.ES6对内置对象的扩展.pptx
+++ b/课程PPT/29.ES6对内置对象的扩展.pptx
@@ -5,20 +5,20 @@
     <p:sldMasterId id="2147483648" r:id="rId1"/>
   </p:sldMasterIdLst>
   <p:notesMasterIdLst>
-    <p:notesMasterId r:id="rId13"/>
+    <p:notesMasterId r:id="rId6"/>
   </p:notesMasterIdLst>
   <p:sldIdLst>
-    <p:sldId id="1264" r:id="rId2"/>
-    <p:sldId id="1265" r:id="rId3"/>
-    <p:sldId id="1326" r:id="rId4"/>
-    <p:sldId id="1327" r:id="rId5"/>
-    <p:sldId id="1328" r:id="rId6"/>
-    <p:sldId id="1329" r:id="rId7"/>
-    <p:sldId id="1330" r:id="rId8"/>
-    <p:sldId id="1331" r:id="rId9"/>
-    <p:sldId id="1332" r:id="rId10"/>
-    <p:sldId id="1354" r:id="rId11"/>
-    <p:sldId id="1266" r:id="rId12"/>
+    <p:sldId id="1264" r:id="rId3"/>
+    <p:sldId id="1265" r:id="rId4"/>
+    <p:sldId id="1326" r:id="rId5"/>
+    <p:sldId id="1327" r:id="rId7"/>
+    <p:sldId id="1328" r:id="rId8"/>
+    <p:sldId id="1329" r:id="rId9"/>
+    <p:sldId id="1330" r:id="rId10"/>
+    <p:sldId id="1331" r:id="rId11"/>
+    <p:sldId id="1332" r:id="rId12"/>
+    <p:sldId id="1354" r:id="rId13"/>
+    <p:sldId id="1356" r:id="rId14"/>
   </p:sldIdLst>
   <p:sldSz cx="12192000" cy="6858000"/>
   <p:notesSz cx="6797675" cy="9928225"/>
@@ -337,6 +337,7 @@
               <a:rPr lang="zh-CN" altLang="zh-CN" noProof="0" smtClean="0"/>
               <a:t>                                                   </a:t>
             </a:r>
+            <a:endParaRPr lang="zh-CN" altLang="zh-CN" noProof="0" smtClean="0"/>
           </a:p>
           <a:p>
             <a:pPr lvl="1"/>
@@ -344,6 +345,7 @@
               <a:rPr lang="zh-CN" altLang="zh-CN" noProof="0" smtClean="0"/>
               <a:t>               </a:t>
             </a:r>
+            <a:endParaRPr lang="zh-CN" altLang="zh-CN" noProof="0" smtClean="0"/>
           </a:p>
           <a:p>
             <a:pPr lvl="2"/>
@@ -351,6 +353,7 @@
               <a:rPr lang="zh-CN" altLang="zh-CN" noProof="0" smtClean="0"/>
               <a:t>                </a:t>
             </a:r>
+            <a:endParaRPr lang="zh-CN" altLang="zh-CN" noProof="0" smtClean="0"/>
           </a:p>
           <a:p>
             <a:pPr lvl="3"/>
@@ -358,6 +361,7 @@
               <a:rPr lang="zh-CN" altLang="zh-CN" noProof="0" smtClean="0"/>
               <a:t>                </a:t>
             </a:r>
+            <a:endParaRPr lang="zh-CN" altLang="zh-CN" noProof="0" smtClean="0"/>
           </a:p>
           <a:p>
             <a:pPr lvl="4"/>
@@ -365,6 +369,7 @@
               <a:rPr lang="zh-CN" altLang="zh-CN" noProof="0" smtClean="0"/>
               <a:t>                </a:t>
             </a:r>
+            <a:endParaRPr lang="zh-CN" altLang="zh-CN" noProof="0" smtClean="0"/>
           </a:p>
         </p:txBody>
       </p:sp>
@@ -447,18 +452,12 @@
           <a:p>
             <a:fld id="{D9AFD278-84AA-4CAA-9049-809825956FE0}" type="slidenum">
               <a:rPr lang="en-US" altLang="zh-CN"/>
-              <a:t>‹#›</a:t>
             </a:fld>
             <a:endParaRPr lang="zh-CN" altLang="zh-CN"/>
           </a:p>
         </p:txBody>
       </p:sp>
     </p:spTree>
-    <p:extLst>
-      <p:ext uri="{BB962C8B-B14F-4D97-AF65-F5344CB8AC3E}">
-        <p14:creationId xmlns:p14="http://schemas.microsoft.com/office/powerpoint/2010/main" val="903762264"/>
-      </p:ext>
-    </p:extLst>
   </p:cSld>
   <p:clrMap bg1="lt1" tx1="dk1" bg2="lt2" tx2="dk2" accent1="accent1" accent2="accent2" accent3="accent3" accent4="accent4" accent5="accent5" accent6="accent6" hlink="hlink" folHlink="folHlink"/>
   <p:notesStyle>
@@ -650,6 +649,7 @@
               <a:rPr lang="zh-CN" altLang="en-US" dirty="0"/>
               <a:t>）实例，增加逻辑判断</a:t>
             </a:r>
+            <a:endParaRPr lang="zh-CN" altLang="en-US" dirty="0"/>
           </a:p>
         </p:txBody>
       </p:sp>
@@ -670,7 +670,6 @@
           <a:p>
             <a:fld id="{D9AFD278-84AA-4CAA-9049-809825956FE0}" type="slidenum">
               <a:rPr lang="en-US" altLang="zh-CN" smtClean="0"/>
-              <a:t>3</a:t>
             </a:fld>
             <a:endParaRPr lang="zh-CN" altLang="zh-CN"/>
           </a:p>
@@ -748,6 +747,7 @@
               <a:rPr lang="zh-CN" altLang="en-US" dirty="0"/>
               <a:t>）实例，增加逻辑判断</a:t>
             </a:r>
+            <a:endParaRPr lang="zh-CN" altLang="en-US" dirty="0"/>
           </a:p>
         </p:txBody>
       </p:sp>
@@ -768,7 +768,6 @@
           <a:p>
             <a:fld id="{D9AFD278-84AA-4CAA-9049-809825956FE0}" type="slidenum">
               <a:rPr lang="en-US" altLang="zh-CN" smtClean="0"/>
-              <a:t>4</a:t>
             </a:fld>
             <a:endParaRPr lang="zh-CN" altLang="zh-CN"/>
           </a:p>
@@ -846,6 +845,7 @@
               <a:rPr lang="zh-CN" altLang="en-US" dirty="0"/>
               <a:t>）实例，增加逻辑判断</a:t>
             </a:r>
+            <a:endParaRPr lang="zh-CN" altLang="en-US" dirty="0"/>
           </a:p>
         </p:txBody>
       </p:sp>
@@ -866,7 +866,6 @@
           <a:p>
             <a:fld id="{D9AFD278-84AA-4CAA-9049-809825956FE0}" type="slidenum">
               <a:rPr lang="en-US" altLang="zh-CN" smtClean="0"/>
-              <a:t>6</a:t>
             </a:fld>
             <a:endParaRPr lang="zh-CN" altLang="zh-CN"/>
           </a:p>
@@ -944,6 +943,7 @@
               <a:rPr lang="zh-CN" altLang="en-US" dirty="0"/>
               <a:t>）实例，增加逻辑判断</a:t>
             </a:r>
+            <a:endParaRPr lang="zh-CN" altLang="en-US" dirty="0"/>
           </a:p>
         </p:txBody>
       </p:sp>
@@ -964,7 +964,6 @@
           <a:p>
             <a:fld id="{D9AFD278-84AA-4CAA-9049-809825956FE0}" type="slidenum">
               <a:rPr lang="en-US" altLang="zh-CN" smtClean="0"/>
-              <a:t>8</a:t>
             </a:fld>
             <a:endParaRPr lang="zh-CN" altLang="zh-CN"/>
           </a:p>
@@ -1042,6 +1041,7 @@
               <a:rPr lang="zh-CN" altLang="en-US" dirty="0"/>
               <a:t>）实例，增加逻辑判断</a:t>
             </a:r>
+            <a:endParaRPr lang="zh-CN" altLang="en-US" dirty="0"/>
           </a:p>
         </p:txBody>
       </p:sp>
@@ -1062,7 +1062,6 @@
           <a:p>
             <a:fld id="{D9AFD278-84AA-4CAA-9049-809825956FE0}" type="slidenum">
               <a:rPr lang="en-US" altLang="zh-CN" smtClean="0"/>
-              <a:t>9</a:t>
             </a:fld>
             <a:endParaRPr lang="zh-CN" altLang="zh-CN"/>
           </a:p>
@@ -1140,6 +1139,7 @@
               <a:rPr lang="zh-CN" altLang="en-US" dirty="0"/>
               <a:t>）实例，增加逻辑判断</a:t>
             </a:r>
+            <a:endParaRPr lang="zh-CN" altLang="en-US" dirty="0"/>
           </a:p>
         </p:txBody>
       </p:sp>
@@ -1160,7 +1160,6 @@
           <a:p>
             <a:fld id="{D9AFD278-84AA-4CAA-9049-809825956FE0}" type="slidenum">
               <a:rPr lang="en-US" altLang="zh-CN" smtClean="0"/>
-              <a:t>10</a:t>
             </a:fld>
             <a:endParaRPr lang="zh-CN" altLang="zh-CN"/>
           </a:p>
@@ -1244,6 +1243,7 @@
               <a:rPr lang="zh-CN" altLang="en-US" dirty="0" smtClean="0"/>
               <a:t>单击此处编辑母版文本样式</a:t>
             </a:r>
+            <a:endParaRPr lang="zh-CN" altLang="en-US" dirty="0" smtClean="0"/>
           </a:p>
           <a:p>
             <a:pPr lvl="1"/>
@@ -1251,6 +1251,7 @@
               <a:rPr lang="zh-CN" altLang="en-US" dirty="0" smtClean="0"/>
               <a:t>第二级</a:t>
             </a:r>
+            <a:endParaRPr lang="zh-CN" altLang="en-US" dirty="0" smtClean="0"/>
           </a:p>
           <a:p>
             <a:pPr lvl="2"/>
@@ -1258,6 +1259,7 @@
               <a:rPr lang="zh-CN" altLang="en-US" dirty="0" smtClean="0"/>
               <a:t>第三级</a:t>
             </a:r>
+            <a:endParaRPr lang="zh-CN" altLang="en-US" dirty="0" smtClean="0"/>
           </a:p>
           <a:p>
             <a:pPr lvl="3"/>
@@ -1265,6 +1267,7 @@
               <a:rPr lang="zh-CN" altLang="en-US" dirty="0" smtClean="0"/>
               <a:t>第四级</a:t>
             </a:r>
+            <a:endParaRPr lang="zh-CN" altLang="en-US" dirty="0" smtClean="0"/>
           </a:p>
         </p:txBody>
       </p:sp>
@@ -1326,6 +1329,7 @@
               <a:rPr lang="zh-CN" altLang="en-US" dirty="0" smtClean="0"/>
               <a:t>单击此处编辑母版文本样式</a:t>
             </a:r>
+            <a:endParaRPr lang="zh-CN" altLang="en-US" dirty="0" smtClean="0"/>
           </a:p>
         </p:txBody>
       </p:sp>
@@ -1382,7 +1386,6 @@
           <a:p>
             <a:fld id="{2030C94F-1E7C-47E3-9C60-176A530B03BF}" type="slidenum">
               <a:rPr lang="en-US" altLang="zh-CN"/>
-              <a:t>‹#›</a:t>
             </a:fld>
             <a:endParaRPr lang="zh-CN" altLang="zh-CN" sz="3200" b="0"/>
           </a:p>
@@ -1473,6 +1476,7 @@
               <a:rPr lang="zh-CN" altLang="en-US" dirty="0" smtClean="0"/>
               <a:t>单击此处编辑母版文本样式</a:t>
             </a:r>
+            <a:endParaRPr lang="zh-CN" altLang="en-US" dirty="0" smtClean="0"/>
           </a:p>
           <a:p>
             <a:pPr lvl="1"/>
@@ -1480,6 +1484,7 @@
               <a:rPr lang="zh-CN" altLang="en-US" dirty="0" smtClean="0"/>
               <a:t>第二级</a:t>
             </a:r>
+            <a:endParaRPr lang="zh-CN" altLang="en-US" dirty="0" smtClean="0"/>
           </a:p>
           <a:p>
             <a:pPr lvl="2"/>
@@ -1487,6 +1492,7 @@
               <a:rPr lang="zh-CN" altLang="en-US" dirty="0" smtClean="0"/>
               <a:t>第三级</a:t>
             </a:r>
+            <a:endParaRPr lang="zh-CN" altLang="en-US" dirty="0" smtClean="0"/>
           </a:p>
           <a:p>
             <a:pPr lvl="3"/>
@@ -1494,6 +1500,7 @@
               <a:rPr lang="zh-CN" altLang="en-US" dirty="0" smtClean="0"/>
               <a:t>第四级</a:t>
             </a:r>
+            <a:endParaRPr lang="zh-CN" altLang="en-US" dirty="0" smtClean="0"/>
           </a:p>
         </p:txBody>
       </p:sp>
@@ -1551,6 +1558,7 @@
               <a:rPr lang="zh-CN" altLang="en-US" dirty="0" smtClean="0"/>
               <a:t>单击此处编辑母版文本样式</a:t>
             </a:r>
+            <a:endParaRPr lang="zh-CN" altLang="en-US" dirty="0" smtClean="0"/>
           </a:p>
         </p:txBody>
       </p:sp>
@@ -1632,6 +1640,7 @@
               <a:rPr lang="zh-CN" altLang="en-US" dirty="0" smtClean="0"/>
               <a:t>单击此处编辑母版文本样式</a:t>
             </a:r>
+            <a:endParaRPr lang="zh-CN" altLang="en-US" dirty="0" smtClean="0"/>
           </a:p>
           <a:p>
             <a:pPr lvl="1"/>
@@ -1639,6 +1648,7 @@
               <a:rPr lang="zh-CN" altLang="en-US" dirty="0" smtClean="0"/>
               <a:t>第二级</a:t>
             </a:r>
+            <a:endParaRPr lang="zh-CN" altLang="en-US" dirty="0" smtClean="0"/>
           </a:p>
           <a:p>
             <a:pPr lvl="2"/>
@@ -1646,6 +1656,7 @@
               <a:rPr lang="zh-CN" altLang="en-US" dirty="0" smtClean="0"/>
               <a:t>第三级</a:t>
             </a:r>
+            <a:endParaRPr lang="zh-CN" altLang="en-US" dirty="0" smtClean="0"/>
           </a:p>
           <a:p>
             <a:pPr lvl="3"/>
@@ -1653,6 +1664,7 @@
               <a:rPr lang="zh-CN" altLang="en-US" dirty="0" smtClean="0"/>
               <a:t>第四级</a:t>
             </a:r>
+            <a:endParaRPr lang="zh-CN" altLang="en-US" dirty="0" smtClean="0"/>
           </a:p>
         </p:txBody>
       </p:sp>
@@ -1710,6 +1722,7 @@
               <a:rPr lang="zh-CN" altLang="en-US" dirty="0" smtClean="0"/>
               <a:t>单击此处编辑母版文本样式</a:t>
             </a:r>
+            <a:endParaRPr lang="zh-CN" altLang="en-US" dirty="0" smtClean="0"/>
           </a:p>
         </p:txBody>
       </p:sp>
@@ -1791,6 +1804,7 @@
               <a:rPr lang="zh-CN" altLang="en-US" dirty="0" smtClean="0"/>
               <a:t>单击此处编辑母版文本样式</a:t>
             </a:r>
+            <a:endParaRPr lang="zh-CN" altLang="en-US" dirty="0" smtClean="0"/>
           </a:p>
           <a:p>
             <a:pPr lvl="1"/>
@@ -1798,6 +1812,7 @@
               <a:rPr lang="zh-CN" altLang="en-US" dirty="0" smtClean="0"/>
               <a:t>第二级</a:t>
             </a:r>
+            <a:endParaRPr lang="zh-CN" altLang="en-US" dirty="0" smtClean="0"/>
           </a:p>
           <a:p>
             <a:pPr lvl="2"/>
@@ -1805,6 +1820,7 @@
               <a:rPr lang="zh-CN" altLang="en-US" dirty="0" smtClean="0"/>
               <a:t>第三级</a:t>
             </a:r>
+            <a:endParaRPr lang="zh-CN" altLang="en-US" dirty="0" smtClean="0"/>
           </a:p>
           <a:p>
             <a:pPr lvl="3"/>
@@ -1812,6 +1828,7 @@
               <a:rPr lang="zh-CN" altLang="en-US" dirty="0" smtClean="0"/>
               <a:t>第四级</a:t>
             </a:r>
+            <a:endParaRPr lang="zh-CN" altLang="en-US" dirty="0" smtClean="0"/>
           </a:p>
         </p:txBody>
       </p:sp>
@@ -1869,6 +1886,7 @@
               <a:rPr lang="zh-CN" altLang="en-US" dirty="0" smtClean="0"/>
               <a:t>单击此处编辑母版文本样式</a:t>
             </a:r>
+            <a:endParaRPr lang="zh-CN" altLang="en-US" dirty="0" smtClean="0"/>
           </a:p>
         </p:txBody>
       </p:sp>
@@ -1950,6 +1968,7 @@
               <a:rPr lang="zh-CN" altLang="en-US" dirty="0" smtClean="0"/>
               <a:t>单击此处编辑母版文本样式</a:t>
             </a:r>
+            <a:endParaRPr lang="zh-CN" altLang="en-US" dirty="0" smtClean="0"/>
           </a:p>
           <a:p>
             <a:pPr lvl="1"/>
@@ -1957,6 +1976,7 @@
               <a:rPr lang="zh-CN" altLang="en-US" dirty="0" smtClean="0"/>
               <a:t>第二级</a:t>
             </a:r>
+            <a:endParaRPr lang="zh-CN" altLang="en-US" dirty="0" smtClean="0"/>
           </a:p>
           <a:p>
             <a:pPr lvl="2"/>
@@ -1964,6 +1984,7 @@
               <a:rPr lang="zh-CN" altLang="en-US" dirty="0" smtClean="0"/>
               <a:t>第三级</a:t>
             </a:r>
+            <a:endParaRPr lang="zh-CN" altLang="en-US" dirty="0" smtClean="0"/>
           </a:p>
           <a:p>
             <a:pPr lvl="3"/>
@@ -1971,6 +1992,7 @@
               <a:rPr lang="zh-CN" altLang="en-US" dirty="0" smtClean="0"/>
               <a:t>第四级</a:t>
             </a:r>
+            <a:endParaRPr lang="zh-CN" altLang="en-US" dirty="0" smtClean="0"/>
           </a:p>
         </p:txBody>
       </p:sp>
@@ -2028,6 +2050,7 @@
               <a:rPr lang="zh-CN" altLang="en-US" dirty="0" smtClean="0"/>
               <a:t>单击此处编辑母版文本样式</a:t>
             </a:r>
+            <a:endParaRPr lang="zh-CN" altLang="en-US" dirty="0" smtClean="0"/>
           </a:p>
         </p:txBody>
       </p:sp>
@@ -2109,6 +2132,7 @@
               <a:rPr lang="zh-CN" altLang="en-US" dirty="0" smtClean="0"/>
               <a:t>单击此处编辑母版文本样式</a:t>
             </a:r>
+            <a:endParaRPr lang="zh-CN" altLang="en-US" dirty="0" smtClean="0"/>
           </a:p>
           <a:p>
             <a:pPr lvl="1"/>
@@ -2116,6 +2140,7 @@
               <a:rPr lang="zh-CN" altLang="en-US" dirty="0" smtClean="0"/>
               <a:t>第二级</a:t>
             </a:r>
+            <a:endParaRPr lang="zh-CN" altLang="en-US" dirty="0" smtClean="0"/>
           </a:p>
           <a:p>
             <a:pPr lvl="2"/>
@@ -2123,6 +2148,7 @@
               <a:rPr lang="zh-CN" altLang="en-US" dirty="0" smtClean="0"/>
               <a:t>第三级</a:t>
             </a:r>
+            <a:endParaRPr lang="zh-CN" altLang="en-US" dirty="0" smtClean="0"/>
           </a:p>
           <a:p>
             <a:pPr lvl="3"/>
@@ -2130,6 +2156,7 @@
               <a:rPr lang="zh-CN" altLang="en-US" dirty="0" smtClean="0"/>
               <a:t>第四级</a:t>
             </a:r>
+            <a:endParaRPr lang="zh-CN" altLang="en-US" dirty="0" smtClean="0"/>
           </a:p>
         </p:txBody>
       </p:sp>
@@ -2187,6 +2214,7 @@
               <a:rPr lang="zh-CN" altLang="en-US" dirty="0" smtClean="0"/>
               <a:t>单击此处编辑母版文本样式</a:t>
             </a:r>
+            <a:endParaRPr lang="zh-CN" altLang="en-US" dirty="0" smtClean="0"/>
           </a:p>
         </p:txBody>
       </p:sp>
@@ -2268,6 +2296,7 @@
               <a:rPr lang="zh-CN" altLang="en-US" dirty="0" smtClean="0"/>
               <a:t>单击此处编辑母版文本样式</a:t>
             </a:r>
+            <a:endParaRPr lang="zh-CN" altLang="en-US" dirty="0" smtClean="0"/>
           </a:p>
           <a:p>
             <a:pPr lvl="1"/>
@@ -2275,6 +2304,7 @@
               <a:rPr lang="zh-CN" altLang="en-US" dirty="0" smtClean="0"/>
               <a:t>第二级</a:t>
             </a:r>
+            <a:endParaRPr lang="zh-CN" altLang="en-US" dirty="0" smtClean="0"/>
           </a:p>
           <a:p>
             <a:pPr lvl="2"/>
@@ -2282,6 +2312,7 @@
               <a:rPr lang="zh-CN" altLang="en-US" dirty="0" smtClean="0"/>
               <a:t>第三级</a:t>
             </a:r>
+            <a:endParaRPr lang="zh-CN" altLang="en-US" dirty="0" smtClean="0"/>
           </a:p>
           <a:p>
             <a:pPr lvl="3"/>
@@ -2289,6 +2320,7 @@
               <a:rPr lang="zh-CN" altLang="en-US" dirty="0" smtClean="0"/>
               <a:t>第四级</a:t>
             </a:r>
+            <a:endParaRPr lang="zh-CN" altLang="en-US" dirty="0" smtClean="0"/>
           </a:p>
         </p:txBody>
       </p:sp>
@@ -2346,6 +2378,7 @@
               <a:rPr lang="zh-CN" altLang="en-US" dirty="0" smtClean="0"/>
               <a:t>单击此处编辑母版文本样式</a:t>
             </a:r>
+            <a:endParaRPr lang="zh-CN" altLang="en-US" dirty="0" smtClean="0"/>
           </a:p>
         </p:txBody>
       </p:sp>
@@ -2439,6 +2472,7 @@
               <a:rPr lang="zh-CN" altLang="en-US" dirty="0" smtClean="0"/>
               <a:t>单击此处编辑母版文本样式</a:t>
             </a:r>
+            <a:endParaRPr lang="zh-CN" altLang="en-US" dirty="0" smtClean="0"/>
           </a:p>
           <a:p>
             <a:pPr lvl="1"/>
@@ -2446,6 +2480,7 @@
               <a:rPr lang="zh-CN" altLang="en-US" dirty="0" smtClean="0"/>
               <a:t>第二级</a:t>
             </a:r>
+            <a:endParaRPr lang="zh-CN" altLang="en-US" dirty="0" smtClean="0"/>
           </a:p>
           <a:p>
             <a:pPr lvl="2"/>
@@ -2453,6 +2488,7 @@
               <a:rPr lang="zh-CN" altLang="en-US" dirty="0" smtClean="0"/>
               <a:t>第三级</a:t>
             </a:r>
+            <a:endParaRPr lang="zh-CN" altLang="en-US" dirty="0" smtClean="0"/>
           </a:p>
           <a:p>
             <a:pPr lvl="3"/>
@@ -2460,6 +2496,7 @@
               <a:rPr lang="zh-CN" altLang="en-US" dirty="0" smtClean="0"/>
               <a:t>第四级</a:t>
             </a:r>
+            <a:endParaRPr lang="zh-CN" altLang="en-US" dirty="0" smtClean="0"/>
           </a:p>
         </p:txBody>
       </p:sp>
@@ -2521,6 +2558,7 @@
               <a:rPr lang="zh-CN" altLang="en-US" dirty="0" smtClean="0"/>
               <a:t>单击此处编辑母版文本样式</a:t>
             </a:r>
+            <a:endParaRPr lang="zh-CN" altLang="en-US" dirty="0" smtClean="0"/>
           </a:p>
         </p:txBody>
       </p:sp>
@@ -2545,7 +2583,7 @@
     <p:bg bwMode="auto">
       <p:bgPr>
         <a:blipFill dpi="0" rotWithShape="0">
-          <a:blip r:embed="rId11"/>
+          <a:blip r:embed="rId10"/>
           <a:srcRect/>
           <a:stretch>
             <a:fillRect/>
@@ -2604,7 +2642,6 @@
           <a:p>
             <a:fld id="{43A45880-9E2A-43E4-955C-AEB11E14255E}" type="slidenum">
               <a:rPr lang="en-US" altLang="zh-CN"/>
-              <a:t>‹#›</a:t>
             </a:fld>
             <a:endParaRPr lang="zh-CN" altLang="zh-CN"/>
           </a:p>
@@ -2619,7 +2656,7 @@
           <p:nvPr/>
         </p:nvPicPr>
         <p:blipFill>
-          <a:blip r:embed="rId12">
+          <a:blip r:embed="rId11">
             <a:extLst>
               <a:ext uri="{28A0092B-C50C-407E-A947-70E740481C1C}">
                 <a14:useLocalDpi xmlns:a14="http://schemas.microsoft.com/office/drawing/2010/main" val="0"/>
@@ -2673,7 +2710,7 @@
           <p:nvPr/>
         </p:nvPicPr>
         <p:blipFill>
-          <a:blip r:embed="rId13">
+          <a:blip r:embed="rId12">
             <a:extLst>
               <a:ext uri="{28A0092B-C50C-407E-A947-70E740481C1C}">
                 <a14:useLocalDpi xmlns:a14="http://schemas.microsoft.com/office/drawing/2010/main" val="0"/>
@@ -3186,7 +3223,7 @@
           <p:nvPr/>
         </p:nvPicPr>
         <p:blipFill>
-          <a:blip r:embed="rId2">
+          <a:blip r:embed="rId1">
             <a:extLst>
               <a:ext uri="{28A0092B-C50C-407E-A947-70E740481C1C}">
                 <a14:useLocalDpi xmlns:a14="http://schemas.microsoft.com/office/drawing/2010/main" val="0"/>
@@ -3488,7 +3525,7 @@
           <p:nvPr/>
         </p:nvPicPr>
         <p:blipFill>
-          <a:blip r:embed="rId3">
+          <a:blip r:embed="rId2">
             <a:extLst>
               <a:ext uri="{28A0092B-C50C-407E-A947-70E740481C1C}">
                 <a14:useLocalDpi xmlns:a14="http://schemas.microsoft.com/office/drawing/2010/main" val="0"/>
@@ -3628,15 +3665,6 @@
                 <a:sym typeface="+mn-ea"/>
               </a:rPr>
             </a:br>
-            <a:r>
-              <a:rPr kumimoji="0" lang="en-US" altLang="zh-CN" sz="2000" dirty="0" smtClean="0">
-                <a:solidFill>
-                  <a:schemeClr val="tx1"/>
-                </a:solidFill>
-                <a:sym typeface="+mn-ea"/>
-              </a:rPr>
-              <a:t/>
-            </a:r>
             <a:br>
               <a:rPr kumimoji="0" lang="en-US" altLang="zh-CN" sz="2000" dirty="0" smtClean="0">
                 <a:solidFill>
@@ -3645,15 +3673,6 @@
                 <a:sym typeface="+mn-ea"/>
               </a:rPr>
             </a:br>
-            <a:r>
-              <a:rPr kumimoji="0" lang="en-US" altLang="zh-CN" sz="2400" dirty="0" smtClean="0">
-                <a:solidFill>
-                  <a:schemeClr val="tx1"/>
-                </a:solidFill>
-                <a:sym typeface="+mn-ea"/>
-              </a:rPr>
-              <a:t/>
-            </a:r>
             <a:br>
               <a:rPr kumimoji="0" lang="en-US" altLang="zh-CN" sz="2400" dirty="0" smtClean="0">
                 <a:solidFill>
@@ -3662,15 +3681,6 @@
                 <a:sym typeface="+mn-ea"/>
               </a:rPr>
             </a:br>
-            <a:r>
-              <a:rPr kumimoji="0" lang="en-US" altLang="zh-CN" sz="2400" dirty="0" smtClean="0">
-                <a:solidFill>
-                  <a:schemeClr val="tx1"/>
-                </a:solidFill>
-                <a:sym typeface="+mn-ea"/>
-              </a:rPr>
-              <a:t/>
-            </a:r>
             <a:br>
               <a:rPr kumimoji="0" lang="en-US" altLang="zh-CN" sz="2400" dirty="0" smtClean="0">
                 <a:solidFill>
@@ -3679,15 +3689,6 @@
                 <a:sym typeface="+mn-ea"/>
               </a:rPr>
             </a:br>
-            <a:r>
-              <a:rPr kumimoji="0" lang="en-US" altLang="zh-CN" sz="2400" dirty="0" smtClean="0">
-                <a:solidFill>
-                  <a:schemeClr val="tx1"/>
-                </a:solidFill>
-                <a:sym typeface="+mn-ea"/>
-              </a:rPr>
-              <a:t/>
-            </a:r>
             <a:br>
               <a:rPr kumimoji="0" lang="en-US" altLang="zh-CN" sz="2400" dirty="0" smtClean="0">
                 <a:solidFill>
@@ -3762,15 +3763,6 @@
               </a:rPr>
               <a:t>Object.assign( )</a:t>
             </a:r>
-            <a:r>
-              <a:rPr kumimoji="0" lang="zh-CN" altLang="en-US" sz="2000" dirty="0" smtClean="0">
-                <a:solidFill>
-                  <a:schemeClr val="tx1"/>
-                </a:solidFill>
-                <a:sym typeface="+mn-ea"/>
-              </a:rPr>
-              <a:t/>
-            </a:r>
             <a:br>
               <a:rPr kumimoji="0" lang="zh-CN" altLang="en-US" sz="2000" dirty="0" smtClean="0">
                 <a:solidFill>
@@ -3841,152 +3833,6 @@
               </a:rPr>
               <a:t>Object.entries( )</a:t>
             </a:r>
-            <a:br>
-              <a:rPr kumimoji="0" lang="en-US" altLang="zh-CN" sz="2000" dirty="0" smtClean="0">
-                <a:solidFill>
-                  <a:schemeClr val="tx1"/>
-                </a:solidFill>
-                <a:sym typeface="+mn-ea"/>
-              </a:rPr>
-            </a:br>
-            <a:r>
-              <a:rPr kumimoji="0" lang="zh-CN" altLang="en-US" sz="2000" dirty="0" smtClean="0">
-                <a:solidFill>
-                  <a:schemeClr val="tx1"/>
-                </a:solidFill>
-                <a:sym typeface="+mn-ea"/>
-              </a:rPr>
-              <a:t/>
-            </a:r>
-            <a:br>
-              <a:rPr kumimoji="0" lang="zh-CN" altLang="en-US" sz="2000" dirty="0" smtClean="0">
-                <a:solidFill>
-                  <a:schemeClr val="tx1"/>
-                </a:solidFill>
-                <a:sym typeface="+mn-ea"/>
-              </a:rPr>
-            </a:br>
-            <a:endParaRPr kumimoji="0" lang="zh-CN" altLang="en-US" sz="2000" dirty="0" smtClean="0">
-              <a:solidFill>
-                <a:schemeClr val="tx1"/>
-              </a:solidFill>
-              <a:sym typeface="+mn-ea"/>
-            </a:endParaRPr>
-          </a:p>
-          <a:p>
-            <a:pPr>
-              <a:lnSpc>
-                <a:spcPct val="130000"/>
-              </a:lnSpc>
-            </a:pPr>
-            <a:endParaRPr kumimoji="0" lang="zh-CN" altLang="en-US" sz="2000" dirty="0" smtClean="0">
-              <a:solidFill>
-                <a:schemeClr val="tx1"/>
-              </a:solidFill>
-              <a:sym typeface="+mn-ea"/>
-            </a:endParaRPr>
-          </a:p>
-          <a:p>
-            <a:pPr>
-              <a:lnSpc>
-                <a:spcPct val="130000"/>
-              </a:lnSpc>
-            </a:pPr>
-            <a:endParaRPr kumimoji="0" lang="zh-CN" altLang="en-US" sz="2000" dirty="0" smtClean="0">
-              <a:solidFill>
-                <a:schemeClr val="tx1"/>
-              </a:solidFill>
-              <a:sym typeface="+mn-ea"/>
-            </a:endParaRPr>
-          </a:p>
-          <a:p>
-            <a:pPr>
-              <a:lnSpc>
-                <a:spcPct val="130000"/>
-              </a:lnSpc>
-            </a:pPr>
-            <a:endParaRPr kumimoji="0" lang="zh-CN" altLang="en-US" sz="2000" dirty="0" smtClean="0">
-              <a:solidFill>
-                <a:schemeClr val="tx1"/>
-              </a:solidFill>
-              <a:sym typeface="+mn-ea"/>
-            </a:endParaRPr>
-          </a:p>
-          <a:p>
-            <a:pPr marL="0" indent="0">
-              <a:lnSpc>
-                <a:spcPct val="130000"/>
-              </a:lnSpc>
-              <a:buNone/>
-            </a:pPr>
-            <a:r>
-              <a:rPr kumimoji="0" lang="zh-CN" altLang="en-US" sz="3200" dirty="0" smtClean="0">
-                <a:solidFill>
-                  <a:schemeClr val="tx1"/>
-                </a:solidFill>
-                <a:sym typeface="+mn-ea"/>
-              </a:rPr>
-              <a:t/>
-            </a:r>
-            <a:br>
-              <a:rPr kumimoji="0" lang="zh-CN" altLang="en-US" sz="3200" dirty="0" smtClean="0">
-                <a:solidFill>
-                  <a:schemeClr val="tx1"/>
-                </a:solidFill>
-                <a:sym typeface="+mn-ea"/>
-              </a:rPr>
-            </a:br>
-            <a:endParaRPr kumimoji="0" lang="zh-CN" altLang="en-US" sz="3200" dirty="0" smtClean="0">
-              <a:solidFill>
-                <a:schemeClr val="tx1"/>
-              </a:solidFill>
-              <a:sym typeface="+mn-ea"/>
-            </a:endParaRPr>
-          </a:p>
-          <a:p>
-            <a:pPr>
-              <a:lnSpc>
-                <a:spcPct val="130000"/>
-              </a:lnSpc>
-            </a:pPr>
-            <a:endParaRPr kumimoji="0" lang="zh-CN" altLang="en-US" sz="3200" dirty="0" smtClean="0">
-              <a:solidFill>
-                <a:schemeClr val="tx1"/>
-              </a:solidFill>
-              <a:sym typeface="+mn-ea"/>
-            </a:endParaRPr>
-          </a:p>
-          <a:p>
-            <a:pPr>
-              <a:lnSpc>
-                <a:spcPct val="130000"/>
-              </a:lnSpc>
-            </a:pPr>
-            <a:endParaRPr kumimoji="0" lang="zh-CN" altLang="en-US" sz="3200" dirty="0" smtClean="0">
-              <a:solidFill>
-                <a:schemeClr val="tx1"/>
-              </a:solidFill>
-              <a:sym typeface="+mn-ea"/>
-            </a:endParaRPr>
-          </a:p>
-          <a:p>
-            <a:pPr eaLnBrk="1" hangingPunct="1">
-              <a:lnSpc>
-                <a:spcPct val="150000"/>
-              </a:lnSpc>
-            </a:pPr>
-            <a:endParaRPr kumimoji="0" lang="en-US" altLang="zh-CN" sz="3600" dirty="0" smtClean="0">
-              <a:solidFill>
-                <a:schemeClr val="tx1"/>
-              </a:solidFill>
-            </a:endParaRPr>
-          </a:p>
-          <a:p>
-            <a:pPr eaLnBrk="1" hangingPunct="1">
-              <a:lnSpc>
-                <a:spcPct val="150000"/>
-              </a:lnSpc>
-            </a:pPr>
             <a:endParaRPr kumimoji="0" lang="zh-CN" altLang="en-US" dirty="0" smtClean="0">
               <a:solidFill>
                 <a:schemeClr val="tx1"/>
@@ -4033,6 +3879,9 @@
               </a:rPr>
               <a:t>的扩展</a:t>
             </a:r>
+            <a:endParaRPr kumimoji="0" lang="zh-CN" altLang="en-US" dirty="0">
+              <a:sym typeface="+mn-ea"/>
+            </a:endParaRPr>
           </a:p>
         </p:txBody>
       </p:sp>
@@ -4109,6 +3958,13 @@
               </a:rPr>
               <a:t>的扩展</a:t>
             </a:r>
+            <a:endParaRPr lang="zh-CN" altLang="en-US" sz="2200">
+              <a:solidFill>
+                <a:srgbClr val="FF0000"/>
+              </a:solidFill>
+              <a:latin typeface="+mn-ea"/>
+              <a:ea typeface="+mn-ea"/>
+            </a:endParaRPr>
           </a:p>
         </p:txBody>
       </p:sp>
@@ -4121,7 +3977,7 @@
           <p:nvPr/>
         </p:nvPicPr>
         <p:blipFill>
-          <a:blip r:embed="rId3"/>
+          <a:blip r:embed="rId1"/>
           <a:stretch>
             <a:fillRect/>
           </a:stretch>
@@ -4169,6 +4025,13 @@
               </a:rPr>
               <a:t>属性名表达式与简洁表示法，不能同时使用</a:t>
             </a:r>
+            <a:endParaRPr sz="2200">
+              <a:solidFill>
+                <a:srgbClr val="FF0000"/>
+              </a:solidFill>
+              <a:latin typeface="+mn-ea"/>
+              <a:ea typeface="+mn-ea"/>
+            </a:endParaRPr>
           </a:p>
         </p:txBody>
       </p:sp>
@@ -4692,7 +4555,7 @@
           <p:nvPr/>
         </p:nvPicPr>
         <p:blipFill>
-          <a:blip r:embed="rId2">
+          <a:blip r:embed="rId1">
             <a:extLst>
               <a:ext uri="{28A0092B-C50C-407E-A947-70E740481C1C}">
                 <a14:useLocalDpi xmlns:a14="http://schemas.microsoft.com/office/drawing/2010/main" val="0"/>
@@ -4783,7 +4646,7 @@
             <a:pPr algn="ctr" eaLnBrk="1" hangingPunct="1"/>
             <a:r>
               <a:rPr kumimoji="0" lang="en-US" altLang="zh-CN" sz="5400" dirty="0"/>
-              <a:t>Have a </a:t>
+              <a:t>Thank </a:t>
             </a:r>
             <a:r>
               <a:rPr kumimoji="0" lang="en-US" altLang="zh-CN" sz="5400" dirty="0">
@@ -4791,7 +4654,7 @@
                   <a:srgbClr val="FF0000"/>
                 </a:solidFill>
               </a:rPr>
-              <a:t>Break</a:t>
+              <a:t>You</a:t>
             </a:r>
             <a:r>
               <a:rPr kumimoji="0" lang="zh-CN" altLang="en-US" sz="5400" dirty="0"/>
@@ -4810,7 +4673,7 @@
           <p:nvPr/>
         </p:nvPicPr>
         <p:blipFill>
-          <a:blip r:embed="rId3">
+          <a:blip r:embed="rId2">
             <a:extLst>
               <a:ext uri="{28A0092B-C50C-407E-A947-70E740481C1C}">
                 <a14:useLocalDpi xmlns:a14="http://schemas.microsoft.com/office/drawing/2010/main" val="0"/>
@@ -5097,6 +4960,11 @@
               </a:rPr>
               <a:t>的扩展</a:t>
             </a:r>
+            <a:endParaRPr lang="zh-CN" altLang="en-US" sz="2800" b="1">
+              <a:solidFill>
+                <a:srgbClr val="FF0000"/>
+              </a:solidFill>
+            </a:endParaRPr>
           </a:p>
           <a:p>
             <a:pPr algn="l">
@@ -5169,6 +5037,12 @@
               </a:rPr>
               <a:t>的扩展</a:t>
             </a:r>
+            <a:endParaRPr lang="zh-CN" altLang="en-US" sz="2800" b="1">
+              <a:solidFill>
+                <a:schemeClr val="tx1"/>
+              </a:solidFill>
+              <a:sym typeface="+mn-ea"/>
+            </a:endParaRPr>
           </a:p>
           <a:p>
             <a:pPr algn="l">
@@ -5213,6 +5087,7 @@
               <a:rPr lang="zh-CN" altLang="en-US" sz="2800" b="1"/>
               <a:t>的扩展</a:t>
             </a:r>
+            <a:endParaRPr lang="zh-CN" altLang="en-US" sz="2800" b="1"/>
           </a:p>
         </p:txBody>
       </p:sp>
@@ -5718,6 +5593,12 @@
               </a:rPr>
               <a:t>repeat</a:t>
             </a:r>
+            <a:endParaRPr kumimoji="0" lang="en-US" altLang="zh-CN" sz="2000" dirty="0" smtClean="0">
+              <a:solidFill>
+                <a:srgbClr val="FF0000"/>
+              </a:solidFill>
+              <a:sym typeface="+mn-ea"/>
+            </a:endParaRPr>
           </a:p>
           <a:p>
             <a:pPr eaLnBrk="1" hangingPunct="1">
@@ -5783,6 +5664,9 @@
               </a:rPr>
               <a:t>的扩展</a:t>
             </a:r>
+            <a:endParaRPr kumimoji="0" lang="zh-CN" altLang="en-US" dirty="0">
+              <a:sym typeface="+mn-ea"/>
+            </a:endParaRPr>
           </a:p>
         </p:txBody>
       </p:sp>
@@ -5859,6 +5743,13 @@
               </a:rPr>
               <a:t>的扩展</a:t>
             </a:r>
+            <a:endParaRPr lang="zh-CN" altLang="en-US" sz="2200">
+              <a:solidFill>
+                <a:srgbClr val="FF0000"/>
+              </a:solidFill>
+              <a:latin typeface="+mn-ea"/>
+              <a:ea typeface="+mn-ea"/>
+            </a:endParaRPr>
           </a:p>
         </p:txBody>
       </p:sp>
@@ -5871,7 +5762,7 @@
           <p:nvPr/>
         </p:nvPicPr>
         <p:blipFill>
-          <a:blip r:embed="rId3"/>
+          <a:blip r:embed="rId1"/>
           <a:stretch>
             <a:fillRect/>
           </a:stretch>
@@ -5895,7 +5786,7 @@
           <p:nvPr/>
         </p:nvPicPr>
         <p:blipFill>
-          <a:blip r:embed="rId4"/>
+          <a:blip r:embed="rId2"/>
           <a:stretch>
             <a:fillRect/>
           </a:stretch>
@@ -5943,6 +5834,13 @@
               </a:rPr>
               <a:t>思考：与正则的对比</a:t>
             </a:r>
+            <a:endParaRPr lang="zh-CN" altLang="en-US" sz="2200">
+              <a:solidFill>
+                <a:srgbClr val="FF0000"/>
+              </a:solidFill>
+              <a:latin typeface="+mn-ea"/>
+              <a:ea typeface="+mn-ea"/>
+            </a:endParaRPr>
           </a:p>
           <a:p>
             <a:pPr algn="l"/>
@@ -5956,6 +5854,13 @@
               </a:rPr>
               <a:t>如何使用正则完成类似的功能</a:t>
             </a:r>
+            <a:endParaRPr lang="zh-CN" altLang="en-US" sz="2200">
+              <a:solidFill>
+                <a:srgbClr val="FF0000"/>
+              </a:solidFill>
+              <a:latin typeface="+mn-ea"/>
+              <a:ea typeface="+mn-ea"/>
+            </a:endParaRPr>
           </a:p>
         </p:txBody>
       </p:sp>
@@ -6679,6 +6584,12 @@
               </a:rPr>
               <a:t>ES6中为正则添加了y修饰符，（粘连sticky）修饰符</a:t>
             </a:r>
+            <a:endParaRPr kumimoji="0" lang="zh-CN" altLang="en-US" sz="3200" dirty="0" smtClean="0">
+              <a:solidFill>
+                <a:schemeClr val="tx1"/>
+              </a:solidFill>
+              <a:sym typeface="+mn-ea"/>
+            </a:endParaRPr>
           </a:p>
           <a:p>
             <a:pPr>
@@ -6730,6 +6641,12 @@
               </a:rPr>
               <a:t>中正则新的增对象属性（sticky属性、flags属性）</a:t>
             </a:r>
+            <a:endParaRPr kumimoji="0" lang="zh-CN" altLang="en-US" sz="3200" dirty="0" smtClean="0">
+              <a:solidFill>
+                <a:schemeClr val="tx1"/>
+              </a:solidFill>
+              <a:sym typeface="+mn-ea"/>
+            </a:endParaRPr>
           </a:p>
           <a:p>
             <a:pPr eaLnBrk="1" hangingPunct="1">
@@ -6795,6 +6712,9 @@
               </a:rPr>
               <a:t>的扩展</a:t>
             </a:r>
+            <a:endParaRPr kumimoji="0" lang="zh-CN" altLang="en-US" dirty="0">
+              <a:sym typeface="+mn-ea"/>
+            </a:endParaRPr>
           </a:p>
         </p:txBody>
       </p:sp>
@@ -6871,6 +6791,13 @@
               </a:rPr>
               <a:t>的扩展</a:t>
             </a:r>
+            <a:endParaRPr lang="zh-CN" altLang="en-US" sz="2200">
+              <a:solidFill>
+                <a:srgbClr val="FF0000"/>
+              </a:solidFill>
+              <a:latin typeface="+mn-ea"/>
+              <a:ea typeface="+mn-ea"/>
+            </a:endParaRPr>
           </a:p>
         </p:txBody>
       </p:sp>
@@ -6883,7 +6810,7 @@
           <p:nvPr/>
         </p:nvPicPr>
         <p:blipFill>
-          <a:blip r:embed="rId3"/>
+          <a:blip r:embed="rId1"/>
           <a:stretch>
             <a:fillRect/>
           </a:stretch>
@@ -6907,7 +6834,7 @@
           <p:nvPr/>
         </p:nvPicPr>
         <p:blipFill>
-          <a:blip r:embed="rId4"/>
+          <a:blip r:embed="rId2"/>
           <a:stretch>
             <a:fillRect/>
           </a:stretch>
@@ -7745,6 +7672,11 @@
               </a:rPr>
               <a:t>的扩展</a:t>
             </a:r>
+            <a:endParaRPr lang="zh-CN" altLang="en-US" sz="2800" b="1">
+              <a:solidFill>
+                <a:schemeClr val="tx1"/>
+              </a:solidFill>
+            </a:endParaRPr>
           </a:p>
           <a:p>
             <a:pPr algn="l">
@@ -7817,6 +7749,12 @@
               </a:rPr>
               <a:t>的扩展</a:t>
             </a:r>
+            <a:endParaRPr lang="zh-CN" altLang="en-US" sz="2800" b="1">
+              <a:solidFill>
+                <a:schemeClr val="accent3"/>
+              </a:solidFill>
+              <a:sym typeface="+mn-ea"/>
+            </a:endParaRPr>
           </a:p>
           <a:p>
             <a:pPr algn="l">
@@ -7861,6 +7799,7 @@
               <a:rPr lang="zh-CN" altLang="en-US" sz="2800" b="1"/>
               <a:t>的扩展</a:t>
             </a:r>
+            <a:endParaRPr lang="zh-CN" altLang="en-US" sz="2800" b="1"/>
           </a:p>
         </p:txBody>
       </p:sp>
@@ -8231,15 +8170,6 @@
               </a:rPr>
               <a:t>Number.isNaN( )</a:t>
             </a:r>
-            <a:r>
-              <a:rPr kumimoji="0" lang="zh-CN" altLang="en-US" sz="2000" dirty="0" smtClean="0">
-                <a:solidFill>
-                  <a:schemeClr val="tx1"/>
-                </a:solidFill>
-                <a:sym typeface="+mn-ea"/>
-              </a:rPr>
-              <a:t/>
-            </a:r>
             <a:br>
               <a:rPr kumimoji="0" lang="zh-CN" altLang="en-US" sz="2000" dirty="0" smtClean="0">
                 <a:solidFill>
@@ -8283,15 +8213,6 @@
                 <a:sym typeface="+mn-ea"/>
               </a:rPr>
               <a:t>（减少全局性方法，使得语言模块化）</a:t>
-            </a:r>
-            <a:r>
-              <a:rPr kumimoji="0" lang="en-US" altLang="zh-CN" sz="2000" dirty="0" smtClean="0">
-                <a:solidFill>
-                  <a:schemeClr val="tx1"/>
-                </a:solidFill>
-                <a:sym typeface="+mn-ea"/>
-              </a:rPr>
-              <a:t/>
             </a:r>
             <a:br>
               <a:rPr kumimoji="0" lang="en-US" altLang="zh-CN" sz="2000" dirty="0" smtClean="0">
@@ -8519,6 +8440,9 @@
               </a:rPr>
               <a:t>的扩展</a:t>
             </a:r>
+            <a:endParaRPr kumimoji="0" lang="zh-CN" altLang="en-US" dirty="0">
+              <a:sym typeface="+mn-ea"/>
+            </a:endParaRPr>
           </a:p>
         </p:txBody>
       </p:sp>
@@ -8615,6 +8539,13 @@
               </a:rPr>
               <a:t>的扩展</a:t>
             </a:r>
+            <a:endParaRPr lang="zh-CN" altLang="en-US" sz="2200">
+              <a:solidFill>
+                <a:srgbClr val="FF0000"/>
+              </a:solidFill>
+              <a:latin typeface="+mn-ea"/>
+              <a:ea typeface="+mn-ea"/>
+            </a:endParaRPr>
           </a:p>
         </p:txBody>
       </p:sp>
@@ -8627,7 +8558,7 @@
           <p:nvPr/>
         </p:nvPicPr>
         <p:blipFill>
-          <a:blip r:embed="rId3"/>
+          <a:blip r:embed="rId1"/>
           <a:stretch>
             <a:fillRect/>
           </a:stretch>
@@ -9280,6 +9211,11 @@
               </a:rPr>
               <a:t>的扩展</a:t>
             </a:r>
+            <a:endParaRPr lang="zh-CN" altLang="en-US" sz="2800" b="1">
+              <a:solidFill>
+                <a:schemeClr val="tx1"/>
+              </a:solidFill>
+            </a:endParaRPr>
           </a:p>
           <a:p>
             <a:pPr algn="l">
@@ -9352,6 +9288,12 @@
               </a:rPr>
               <a:t>的扩展</a:t>
             </a:r>
+            <a:endParaRPr lang="zh-CN" altLang="en-US" sz="2800" b="1">
+              <a:solidFill>
+                <a:schemeClr val="tx1"/>
+              </a:solidFill>
+              <a:sym typeface="+mn-ea"/>
+            </a:endParaRPr>
           </a:p>
           <a:p>
             <a:pPr algn="l">
@@ -9419,6 +9361,11 @@
               </a:rPr>
               <a:t>的扩展</a:t>
             </a:r>
+            <a:endParaRPr lang="zh-CN" altLang="en-US" sz="2800" b="1">
+              <a:solidFill>
+                <a:schemeClr val="accent3"/>
+              </a:solidFill>
+            </a:endParaRPr>
           </a:p>
         </p:txBody>
       </p:sp>
@@ -9796,15 +9743,6 @@
               </a:rPr>
               <a:t>）转换为数组</a:t>
             </a:r>
-            <a:r>
-              <a:rPr kumimoji="0" lang="zh-CN" altLang="en-US" sz="2000" dirty="0" smtClean="0">
-                <a:solidFill>
-                  <a:schemeClr val="tx1"/>
-                </a:solidFill>
-                <a:sym typeface="+mn-ea"/>
-              </a:rPr>
-              <a:t/>
-            </a:r>
             <a:br>
               <a:rPr kumimoji="0" lang="zh-CN" altLang="en-US" sz="2000" dirty="0" smtClean="0">
                 <a:solidFill>
@@ -10027,6 +9965,12 @@
               </a:rPr>
               <a:t>- Array.prototype.includes( )</a:t>
             </a:r>
+            <a:endParaRPr kumimoji="0" lang="en-US" altLang="zh-CN" sz="2000" dirty="0" smtClean="0">
+              <a:solidFill>
+                <a:schemeClr val="tx1"/>
+              </a:solidFill>
+              <a:sym typeface="+mn-ea"/>
+            </a:endParaRPr>
           </a:p>
           <a:p>
             <a:pPr>
@@ -10140,6 +10084,9 @@
               </a:rPr>
               <a:t>的扩展</a:t>
             </a:r>
+            <a:endParaRPr kumimoji="0" lang="zh-CN" altLang="en-US" dirty="0">
+              <a:sym typeface="+mn-ea"/>
+            </a:endParaRPr>
           </a:p>
         </p:txBody>
       </p:sp>
@@ -10216,6 +10163,13 @@
               </a:rPr>
               <a:t>的扩展</a:t>
             </a:r>
+            <a:endParaRPr lang="zh-CN" altLang="en-US" sz="2200">
+              <a:solidFill>
+                <a:srgbClr val="FF0000"/>
+              </a:solidFill>
+              <a:latin typeface="+mn-ea"/>
+              <a:ea typeface="+mn-ea"/>
+            </a:endParaRPr>
           </a:p>
         </p:txBody>
       </p:sp>
@@ -10792,15 +10746,6 @@
               </a:rPr>
               <a:t>，没有冒号了</a:t>
             </a:r>
-            <a:r>
-              <a:rPr kumimoji="0" lang="en-US" altLang="zh-CN" sz="2000" dirty="0" smtClean="0">
-                <a:solidFill>
-                  <a:schemeClr val="tx1"/>
-                </a:solidFill>
-                <a:sym typeface="+mn-ea"/>
-              </a:rPr>
-              <a:t/>
-            </a:r>
             <a:br>
               <a:rPr kumimoji="0" lang="en-US" altLang="zh-CN" sz="2000" dirty="0" smtClean="0">
                 <a:solidFill>
@@ -10845,15 +10790,6 @@
               </a:rPr>
               <a:t>属性方法）</a:t>
             </a:r>
-            <a:r>
-              <a:rPr kumimoji="0" lang="en-US" altLang="zh-CN" sz="2000" dirty="0" smtClean="0">
-                <a:solidFill>
-                  <a:schemeClr val="tx1"/>
-                </a:solidFill>
-                <a:sym typeface="+mn-ea"/>
-              </a:rPr>
-              <a:t/>
-            </a:r>
             <a:br>
               <a:rPr kumimoji="0" lang="en-US" altLang="zh-CN" sz="2000" dirty="0" smtClean="0">
                 <a:solidFill>
@@ -10862,15 +10798,6 @@
                 <a:sym typeface="+mn-ea"/>
               </a:rPr>
             </a:br>
-            <a:r>
-              <a:rPr kumimoji="0" lang="zh-CN" altLang="en-US" sz="2000" dirty="0" smtClean="0">
-                <a:solidFill>
-                  <a:schemeClr val="tx1"/>
-                </a:solidFill>
-                <a:sym typeface="+mn-ea"/>
-              </a:rPr>
-              <a:t/>
-            </a:r>
             <a:br>
               <a:rPr kumimoji="0" lang="zh-CN" altLang="en-US" sz="2000" dirty="0" smtClean="0">
                 <a:solidFill>
@@ -10932,15 +10859,6 @@
               </a:lnSpc>
               <a:buNone/>
             </a:pPr>
-            <a:r>
-              <a:rPr kumimoji="0" lang="zh-CN" altLang="en-US" sz="3200" dirty="0" smtClean="0">
-                <a:solidFill>
-                  <a:schemeClr val="tx1"/>
-                </a:solidFill>
-                <a:sym typeface="+mn-ea"/>
-              </a:rPr>
-              <a:t/>
-            </a:r>
             <a:br>
               <a:rPr kumimoji="0" lang="zh-CN" altLang="en-US" sz="3200" dirty="0" smtClean="0">
                 <a:solidFill>
@@ -11046,6 +10964,9 @@
               </a:rPr>
               <a:t>的扩展</a:t>
             </a:r>
+            <a:endParaRPr kumimoji="0" lang="zh-CN" altLang="en-US" dirty="0">
+              <a:sym typeface="+mn-ea"/>
+            </a:endParaRPr>
           </a:p>
         </p:txBody>
       </p:sp>
@@ -11122,6 +11043,13 @@
               </a:rPr>
               <a:t>的扩展</a:t>
             </a:r>
+            <a:endParaRPr lang="zh-CN" altLang="en-US" sz="2200">
+              <a:solidFill>
+                <a:srgbClr val="FF0000"/>
+              </a:solidFill>
+              <a:latin typeface="+mn-ea"/>
+              <a:ea typeface="+mn-ea"/>
+            </a:endParaRPr>
           </a:p>
         </p:txBody>
       </p:sp>
@@ -11134,7 +11062,7 @@
           <p:nvPr/>
         </p:nvPicPr>
         <p:blipFill>
-          <a:blip r:embed="rId3"/>
+          <a:blip r:embed="rId1"/>
           <a:stretch>
             <a:fillRect/>
           </a:stretch>
@@ -11791,10 +11719,9 @@
       </a:lstStyle>
     </a:lnDef>
   </a:objectDefaults>
-  <a:extraClrSchemeLst/>
   <a:extLst>
     <a:ext uri="{05A4C25C-085E-4340-85A3-A5531E510DB2}">
-      <thm15:themeFamily xmlns="" xmlns:thm15="http://schemas.microsoft.com/office/thememl/2012/main" name="Office Theme" id="{62F939B6-93AF-4DB8-9C6B-D6C7DFDC589F}" vid="{4A3C46E8-61CC-4603-A589-7422A47A8E4A}"/>
+      <thm15:themeFamily xmlns:thm15="http://schemas.microsoft.com/office/thememl/2012/main" name="Office Theme" id="{62F939B6-93AF-4DB8-9C6B-D6C7DFDC589F}" vid="{4A3C46E8-61CC-4603-A589-7422A47A8E4A}"/>
     </a:ext>
   </a:extLst>
 </a:theme>
@@ -12078,11 +12005,9 @@
       </a:bgFillStyleLst>
     </a:fmtScheme>
   </a:themeElements>
-  <a:objectDefaults/>
-  <a:extraClrSchemeLst/>
   <a:extLst>
     <a:ext uri="{05A4C25C-085E-4340-85A3-A5531E510DB2}">
-      <thm15:themeFamily xmlns="" xmlns:thm15="http://schemas.microsoft.com/office/thememl/2012/main" name="Office Theme" id="{62F939B6-93AF-4DB8-9C6B-D6C7DFDC589F}" vid="{4A3C46E8-61CC-4603-A589-7422A47A8E4A}"/>
+      <thm15:themeFamily xmlns:thm15="http://schemas.microsoft.com/office/thememl/2012/main" name="Office Theme" id="{62F939B6-93AF-4DB8-9C6B-D6C7DFDC589F}" vid="{4A3C46E8-61CC-4603-A589-7422A47A8E4A}"/>
     </a:ext>
   </a:extLst>
 </a:theme>

--- a/课程PPT/29.ES6对内置对象的扩展.pptx
+++ b/课程PPT/29.ES6对内置对象的扩展.pptx
@@ -10770,34 +10770,8 @@
                 </a:solidFill>
                 <a:sym typeface="+mn-ea"/>
               </a:rPr>
-              <a:t>简洁的对象表示法，使得创建对象和返回对象更为简洁（典型案例：</a:t>
-            </a:r>
-            <a:r>
-              <a:rPr kumimoji="0" lang="en-US" altLang="zh-CN" sz="2000" dirty="0" smtClean="0">
-                <a:solidFill>
-                  <a:schemeClr val="tx1"/>
-                </a:solidFill>
-                <a:sym typeface="+mn-ea"/>
-              </a:rPr>
-              <a:t>get/set</a:t>
-            </a:r>
-            <a:r>
-              <a:rPr kumimoji="0" lang="zh-CN" altLang="en-US" sz="2000" dirty="0" smtClean="0">
-                <a:solidFill>
-                  <a:schemeClr val="tx1"/>
-                </a:solidFill>
-                <a:sym typeface="+mn-ea"/>
-              </a:rPr>
-              <a:t>属性方法）</a:t>
-            </a:r>
-            <a:br>
-              <a:rPr kumimoji="0" lang="en-US" altLang="zh-CN" sz="2000" dirty="0" smtClean="0">
-                <a:solidFill>
-                  <a:schemeClr val="tx1"/>
-                </a:solidFill>
-                <a:sym typeface="+mn-ea"/>
-              </a:rPr>
-            </a:br>
+              <a:t>简洁的对象表示法，使得创建对象和返回对象更为简洁</a:t>
+            </a:r>
             <a:br>
               <a:rPr kumimoji="0" lang="zh-CN" altLang="en-US" sz="2000" dirty="0" smtClean="0">
                 <a:solidFill>
@@ -10867,45 +10841,6 @@
                 <a:sym typeface="+mn-ea"/>
               </a:rPr>
             </a:br>
-            <a:endParaRPr kumimoji="0" lang="zh-CN" altLang="en-US" sz="3200" dirty="0" smtClean="0">
-              <a:solidFill>
-                <a:schemeClr val="tx1"/>
-              </a:solidFill>
-              <a:sym typeface="+mn-ea"/>
-            </a:endParaRPr>
-          </a:p>
-          <a:p>
-            <a:pPr>
-              <a:lnSpc>
-                <a:spcPct val="130000"/>
-              </a:lnSpc>
-            </a:pPr>
-            <a:endParaRPr kumimoji="0" lang="zh-CN" altLang="en-US" sz="3200" dirty="0" smtClean="0">
-              <a:solidFill>
-                <a:schemeClr val="tx1"/>
-              </a:solidFill>
-              <a:sym typeface="+mn-ea"/>
-            </a:endParaRPr>
-          </a:p>
-          <a:p>
-            <a:pPr>
-              <a:lnSpc>
-                <a:spcPct val="130000"/>
-              </a:lnSpc>
-            </a:pPr>
-            <a:endParaRPr kumimoji="0" lang="zh-CN" altLang="en-US" sz="3200" dirty="0" smtClean="0">
-              <a:solidFill>
-                <a:schemeClr val="tx1"/>
-              </a:solidFill>
-              <a:sym typeface="+mn-ea"/>
-            </a:endParaRPr>
-          </a:p>
-          <a:p>
-            <a:pPr eaLnBrk="1" hangingPunct="1">
-              <a:lnSpc>
-                <a:spcPct val="150000"/>
-              </a:lnSpc>
-            </a:pPr>
             <a:endParaRPr kumimoji="0" lang="en-US" altLang="zh-CN" sz="3600" dirty="0" smtClean="0">
               <a:solidFill>
                 <a:schemeClr val="tx1"/>
